--- a/template-no-title.pptx
+++ b/template-no-title.pptx
@@ -262,7 +262,7 @@
           <a:p>
             <a:fld id="{FAD80193-3864-9E40-B94F-3C4BBB6847C7}" type="datetime1">
               <a:rPr lang="en-US" smtClean="0"/>
-              <a:t>12/12/20</a:t>
+              <a:t>12/27/20</a:t>
             </a:fld>
             <a:endParaRPr lang="en-US" dirty="0"/>
           </a:p>
@@ -431,7 +431,7 @@
           <a:p>
             <a:fld id="{9468A949-E42B-CA49-90B4-62867DB2E519}" type="datetime1">
               <a:rPr lang="en-US" smtClean="0"/>
-              <a:t>12/12/20</a:t>
+              <a:t>12/27/20</a:t>
             </a:fld>
             <a:endParaRPr lang="en-US" dirty="0"/>
           </a:p>
@@ -1023,7 +1023,7 @@
           <a:p>
             <a:fld id="{10302D39-B686-2742-A69B-CE6D46FC9A4E}" type="datetime4">
               <a:rPr lang="en-US" smtClean="0"/>
-              <a:t>December 12, 2020</a:t>
+              <a:t>December 27, 2020</a:t>
             </a:fld>
             <a:endParaRPr lang="en-US" dirty="0"/>
           </a:p>
@@ -1247,7 +1247,7 @@
           <a:p>
             <a:fld id="{B606C5D1-9323-1B45-8355-7D55EA8EE66A}" type="datetime4">
               <a:rPr lang="en-US" smtClean="0"/>
-              <a:t>December 12, 2020</a:t>
+              <a:t>December 27, 2020</a:t>
             </a:fld>
             <a:endParaRPr lang="en-US" dirty="0"/>
           </a:p>
@@ -1495,7 +1495,7 @@
           <a:p>
             <a:fld id="{A4108F21-3CFE-3045-9ABB-E1E1413BA1A1}" type="datetime4">
               <a:rPr lang="en-US" smtClean="0"/>
-              <a:t>December 12, 2020</a:t>
+              <a:t>December 27, 2020</a:t>
             </a:fld>
             <a:endParaRPr lang="en-US" dirty="0"/>
           </a:p>
@@ -1929,7 +1929,7 @@
           <a:p>
             <a:fld id="{585AD263-A788-3145-8D38-AEBC1D444AEE}" type="datetime4">
               <a:rPr lang="en-US" smtClean="0"/>
-              <a:t>December 12, 2020</a:t>
+              <a:t>December 27, 2020</a:t>
             </a:fld>
             <a:endParaRPr lang="en-US" dirty="0"/>
           </a:p>
@@ -2328,7 +2328,7 @@
           <a:p>
             <a:fld id="{5EF76A7A-0506-6C4D-8382-BFC753915B9A}" type="datetime4">
               <a:rPr lang="en-US" smtClean="0"/>
-              <a:t>December 12, 2020</a:t>
+              <a:t>December 27, 2020</a:t>
             </a:fld>
             <a:endParaRPr lang="en-US" dirty="0"/>
           </a:p>
@@ -3199,7 +3199,7 @@
             </a:lvl9pPr>
           </a:lstStyle>
           <a:p>
-            <a:pPr marL="457200" indent="-282575">
+            <a:pPr marL="174625" indent="0">
               <a:spcBef>
                 <a:spcPts val="0"/>
               </a:spcBef>
@@ -3207,8 +3207,9 @@
                 <a:schemeClr val="tx1"/>
               </a:buClr>
               <a:buSzTx/>
+              <a:buNone/>
             </a:pPr>
-            <a:endParaRPr lang="en-US" sz="2000" dirty="0">
+            <a:endParaRPr lang="en-US" sz="1800" dirty="0">
               <a:latin typeface="Gill Sans MT" panose="020B0502020104020203" pitchFamily="34" charset="77"/>
             </a:endParaRPr>
           </a:p>
